--- a/docpac_19200123/Weekly Review.pptx
+++ b/docpac_19200123/Weekly Review.pptx
@@ -8,10 +8,13 @@
     <p:sldId id="256" r:id="rId2"/>
     <p:sldId id="257" r:id="rId3"/>
     <p:sldId id="264" r:id="rId4"/>
-    <p:sldId id="270" r:id="rId5"/>
-    <p:sldId id="267" r:id="rId6"/>
-    <p:sldId id="271" r:id="rId7"/>
-    <p:sldId id="265" r:id="rId8"/>
+    <p:sldId id="267" r:id="rId5"/>
+    <p:sldId id="271" r:id="rId6"/>
+    <p:sldId id="270" r:id="rId7"/>
+    <p:sldId id="272" r:id="rId8"/>
+    <p:sldId id="273" r:id="rId9"/>
+    <p:sldId id="274" r:id="rId10"/>
+    <p:sldId id="265" r:id="rId11"/>
   </p:sldIdLst>
   <p:sldSz cx="12192000" cy="6858000"/>
   <p:notesSz cx="6858000" cy="9144000"/>
@@ -528,7 +531,7 @@
           <a:p>
             <a:fld id="{5FE97E66-812A-4864-A707-4D377C761408}" type="datetimeFigureOut">
               <a:rPr lang="en-US" smtClean="0"/>
-              <a:t>1/16/2023</a:t>
+              <a:t>1/17/2023</a:t>
             </a:fld>
             <a:endParaRPr lang="en-US"/>
           </a:p>
@@ -726,7 +729,7 @@
           <a:p>
             <a:fld id="{5FE97E66-812A-4864-A707-4D377C761408}" type="datetimeFigureOut">
               <a:rPr lang="en-US" smtClean="0"/>
-              <a:t>1/16/2023</a:t>
+              <a:t>1/17/2023</a:t>
             </a:fld>
             <a:endParaRPr lang="en-US"/>
           </a:p>
@@ -934,7 +937,7 @@
           <a:p>
             <a:fld id="{5FE97E66-812A-4864-A707-4D377C761408}" type="datetimeFigureOut">
               <a:rPr lang="en-US" smtClean="0"/>
-              <a:t>1/16/2023</a:t>
+              <a:t>1/17/2023</a:t>
             </a:fld>
             <a:endParaRPr lang="en-US"/>
           </a:p>
@@ -1132,7 +1135,7 @@
           <a:p>
             <a:fld id="{5FE97E66-812A-4864-A707-4D377C761408}" type="datetimeFigureOut">
               <a:rPr lang="en-US" smtClean="0"/>
-              <a:t>1/16/2023</a:t>
+              <a:t>1/17/2023</a:t>
             </a:fld>
             <a:endParaRPr lang="en-US"/>
           </a:p>
@@ -1407,7 +1410,7 @@
           <a:p>
             <a:fld id="{5FE97E66-812A-4864-A707-4D377C761408}" type="datetimeFigureOut">
               <a:rPr lang="en-US" smtClean="0"/>
-              <a:t>1/16/2023</a:t>
+              <a:t>1/17/2023</a:t>
             </a:fld>
             <a:endParaRPr lang="en-US"/>
           </a:p>
@@ -1672,7 +1675,7 @@
           <a:p>
             <a:fld id="{5FE97E66-812A-4864-A707-4D377C761408}" type="datetimeFigureOut">
               <a:rPr lang="en-US" smtClean="0"/>
-              <a:t>1/16/2023</a:t>
+              <a:t>1/17/2023</a:t>
             </a:fld>
             <a:endParaRPr lang="en-US"/>
           </a:p>
@@ -2084,7 +2087,7 @@
           <a:p>
             <a:fld id="{5FE97E66-812A-4864-A707-4D377C761408}" type="datetimeFigureOut">
               <a:rPr lang="en-US" smtClean="0"/>
-              <a:t>1/16/2023</a:t>
+              <a:t>1/17/2023</a:t>
             </a:fld>
             <a:endParaRPr lang="en-US"/>
           </a:p>
@@ -2225,7 +2228,7 @@
           <a:p>
             <a:fld id="{5FE97E66-812A-4864-A707-4D377C761408}" type="datetimeFigureOut">
               <a:rPr lang="en-US" smtClean="0"/>
-              <a:t>1/16/2023</a:t>
+              <a:t>1/17/2023</a:t>
             </a:fld>
             <a:endParaRPr lang="en-US"/>
           </a:p>
@@ -2338,7 +2341,7 @@
           <a:p>
             <a:fld id="{5FE97E66-812A-4864-A707-4D377C761408}" type="datetimeFigureOut">
               <a:rPr lang="en-US" smtClean="0"/>
-              <a:t>1/16/2023</a:t>
+              <a:t>1/17/2023</a:t>
             </a:fld>
             <a:endParaRPr lang="en-US"/>
           </a:p>
@@ -2649,7 +2652,7 @@
           <a:p>
             <a:fld id="{5FE97E66-812A-4864-A707-4D377C761408}" type="datetimeFigureOut">
               <a:rPr lang="en-US" smtClean="0"/>
-              <a:t>1/16/2023</a:t>
+              <a:t>1/17/2023</a:t>
             </a:fld>
             <a:endParaRPr lang="en-US"/>
           </a:p>
@@ -2937,7 +2940,7 @@
           <a:p>
             <a:fld id="{5FE97E66-812A-4864-A707-4D377C761408}" type="datetimeFigureOut">
               <a:rPr lang="en-US" smtClean="0"/>
-              <a:t>1/16/2023</a:t>
+              <a:t>1/17/2023</a:t>
             </a:fld>
             <a:endParaRPr lang="en-US"/>
           </a:p>
@@ -3178,7 +3181,7 @@
           <a:p>
             <a:fld id="{5FE97E66-812A-4864-A707-4D377C761408}" type="datetimeFigureOut">
               <a:rPr lang="en-US" smtClean="0"/>
-              <a:t>1/16/2023</a:t>
+              <a:t>1/17/2023</a:t>
             </a:fld>
             <a:endParaRPr lang="en-US"/>
           </a:p>
@@ -3661,6 +3664,377 @@
 </p:sld>
 </file>
 
+<file path=ppt/slides/slide10.xml><?xml version="1.0" encoding="utf-8"?>
+<p:sld xmlns:a="http://schemas.openxmlformats.org/drawingml/2006/main" xmlns:r="http://schemas.openxmlformats.org/officeDocument/2006/relationships" xmlns:p="http://schemas.openxmlformats.org/presentationml/2006/main">
+  <p:cSld>
+    <p:spTree>
+      <p:nvGrpSpPr>
+        <p:cNvPr id="1" name=""/>
+        <p:cNvGrpSpPr/>
+        <p:nvPr/>
+      </p:nvGrpSpPr>
+      <p:grpSpPr>
+        <a:xfrm>
+          <a:off x="0" y="0"/>
+          <a:ext cx="0" cy="0"/>
+          <a:chOff x="0" y="0"/>
+          <a:chExt cx="0" cy="0"/>
+        </a:xfrm>
+      </p:grpSpPr>
+      <p:sp>
+        <p:nvSpPr>
+          <p:cNvPr id="2" name="Title 1">
+            <a:extLst>
+              <a:ext uri="{FF2B5EF4-FFF2-40B4-BE49-F238E27FC236}">
+                <a16:creationId xmlns:a16="http://schemas.microsoft.com/office/drawing/2014/main" id="{D8A007DE-64F1-498B-BB5C-EE0FC11B39B7}"/>
+              </a:ext>
+            </a:extLst>
+          </p:cNvPr>
+          <p:cNvSpPr>
+            <a:spLocks noGrp="1"/>
+          </p:cNvSpPr>
+          <p:nvPr>
+            <p:ph type="title"/>
+          </p:nvPr>
+        </p:nvSpPr>
+        <p:spPr/>
+        <p:txBody>
+          <a:bodyPr/>
+          <a:lstStyle/>
+          <a:p>
+            <a:r>
+              <a:rPr lang="en-US" dirty="0"/>
+              <a:t>This week</a:t>
+            </a:r>
+          </a:p>
+        </p:txBody>
+      </p:sp>
+      <p:sp>
+        <p:nvSpPr>
+          <p:cNvPr id="3" name="Content Placeholder 2">
+            <a:extLst>
+              <a:ext uri="{FF2B5EF4-FFF2-40B4-BE49-F238E27FC236}">
+                <a16:creationId xmlns:a16="http://schemas.microsoft.com/office/drawing/2014/main" id="{45EC885E-E553-4463-BA3B-228F45C073F1}"/>
+              </a:ext>
+            </a:extLst>
+          </p:cNvPr>
+          <p:cNvSpPr>
+            <a:spLocks noGrp="1"/>
+          </p:cNvSpPr>
+          <p:nvPr>
+            <p:ph idx="1"/>
+          </p:nvPr>
+        </p:nvSpPr>
+        <p:spPr/>
+        <p:txBody>
+          <a:bodyPr/>
+          <a:lstStyle/>
+          <a:p>
+            <a:r>
+              <a:rPr lang="en-US" dirty="0"/>
+              <a:t>Continuing CIW as normal</a:t>
+            </a:r>
+          </a:p>
+          <a:p>
+            <a:r>
+              <a:rPr lang="en-US" dirty="0"/>
+              <a:t>CIW Knowledge check at the end of the week</a:t>
+            </a:r>
+          </a:p>
+          <a:p>
+            <a:pPr lvl="1"/>
+            <a:r>
+              <a:rPr lang="en-US" dirty="0"/>
+              <a:t>This will be graded this time</a:t>
+            </a:r>
+          </a:p>
+          <a:p>
+            <a:r>
+              <a:rPr lang="en-US" dirty="0"/>
+              <a:t>TOURS! Ask for passes if you want to do tours this week.</a:t>
+            </a:r>
+          </a:p>
+          <a:p>
+            <a:r>
+              <a:rPr lang="en-US" dirty="0"/>
+              <a:t>I swear to God if you write “There was a four day week” as the answer to “What was a challenge to your time management?” I will give you a 0 for your Reflection.</a:t>
+            </a:r>
+          </a:p>
+        </p:txBody>
+      </p:sp>
+    </p:spTree>
+    <p:extLst>
+      <p:ext uri="{BB962C8B-B14F-4D97-AF65-F5344CB8AC3E}">
+        <p14:creationId xmlns:p14="http://schemas.microsoft.com/office/powerpoint/2010/main" val="3186301414"/>
+      </p:ext>
+    </p:extLst>
+  </p:cSld>
+  <p:clrMapOvr>
+    <a:masterClrMapping/>
+  </p:clrMapOvr>
+  <p:timing>
+    <p:tnLst>
+      <p:par>
+        <p:cTn id="1" dur="indefinite" restart="never" nodeType="tmRoot">
+          <p:childTnLst>
+            <p:seq concurrent="1" nextAc="seek">
+              <p:cTn id="2" dur="indefinite" nodeType="mainSeq">
+                <p:childTnLst>
+                  <p:par>
+                    <p:cTn id="3" fill="hold">
+                      <p:stCondLst>
+                        <p:cond delay="indefinite"/>
+                      </p:stCondLst>
+                      <p:childTnLst>
+                        <p:par>
+                          <p:cTn id="4" fill="hold">
+                            <p:stCondLst>
+                              <p:cond delay="0"/>
+                            </p:stCondLst>
+                            <p:childTnLst>
+                              <p:par>
+                                <p:cTn id="5" presetID="1" presetClass="entr" presetSubtype="0" fill="hold" grpId="0" nodeType="clickEffect">
+                                  <p:stCondLst>
+                                    <p:cond delay="0"/>
+                                  </p:stCondLst>
+                                  <p:childTnLst>
+                                    <p:set>
+                                      <p:cBhvr>
+                                        <p:cTn id="6" dur="1" fill="hold">
+                                          <p:stCondLst>
+                                            <p:cond delay="0"/>
+                                          </p:stCondLst>
+                                        </p:cTn>
+                                        <p:tgtEl>
+                                          <p:spTgt spid="3">
+                                            <p:txEl>
+                                              <p:pRg st="0" end="0"/>
+                                            </p:txEl>
+                                          </p:spTgt>
+                                        </p:tgtEl>
+                                        <p:attrNameLst>
+                                          <p:attrName>style.visibility</p:attrName>
+                                        </p:attrNameLst>
+                                      </p:cBhvr>
+                                      <p:to>
+                                        <p:strVal val="visible"/>
+                                      </p:to>
+                                    </p:set>
+                                  </p:childTnLst>
+                                </p:cTn>
+                              </p:par>
+                            </p:childTnLst>
+                          </p:cTn>
+                        </p:par>
+                      </p:childTnLst>
+                    </p:cTn>
+                  </p:par>
+                  <p:par>
+                    <p:cTn id="7" fill="hold">
+                      <p:stCondLst>
+                        <p:cond delay="indefinite"/>
+                      </p:stCondLst>
+                      <p:childTnLst>
+                        <p:par>
+                          <p:cTn id="8" fill="hold">
+                            <p:stCondLst>
+                              <p:cond delay="0"/>
+                            </p:stCondLst>
+                            <p:childTnLst>
+                              <p:par>
+                                <p:cTn id="9" presetID="1" presetClass="entr" presetSubtype="0" fill="hold" grpId="0" nodeType="clickEffect">
+                                  <p:stCondLst>
+                                    <p:cond delay="0"/>
+                                  </p:stCondLst>
+                                  <p:childTnLst>
+                                    <p:set>
+                                      <p:cBhvr>
+                                        <p:cTn id="10" dur="1" fill="hold">
+                                          <p:stCondLst>
+                                            <p:cond delay="0"/>
+                                          </p:stCondLst>
+                                        </p:cTn>
+                                        <p:tgtEl>
+                                          <p:spTgt spid="3">
+                                            <p:txEl>
+                                              <p:pRg st="1" end="1"/>
+                                            </p:txEl>
+                                          </p:spTgt>
+                                        </p:tgtEl>
+                                        <p:attrNameLst>
+                                          <p:attrName>style.visibility</p:attrName>
+                                        </p:attrNameLst>
+                                      </p:cBhvr>
+                                      <p:to>
+                                        <p:strVal val="visible"/>
+                                      </p:to>
+                                    </p:set>
+                                  </p:childTnLst>
+                                </p:cTn>
+                              </p:par>
+                              <p:par>
+                                <p:cTn id="11" presetID="1" presetClass="entr" presetSubtype="0" fill="hold" grpId="0" nodeType="withEffect">
+                                  <p:stCondLst>
+                                    <p:cond delay="0"/>
+                                  </p:stCondLst>
+                                  <p:childTnLst>
+                                    <p:set>
+                                      <p:cBhvr>
+                                        <p:cTn id="12" dur="1" fill="hold">
+                                          <p:stCondLst>
+                                            <p:cond delay="0"/>
+                                          </p:stCondLst>
+                                        </p:cTn>
+                                        <p:tgtEl>
+                                          <p:spTgt spid="3">
+                                            <p:txEl>
+                                              <p:pRg st="2" end="2"/>
+                                            </p:txEl>
+                                          </p:spTgt>
+                                        </p:tgtEl>
+                                        <p:attrNameLst>
+                                          <p:attrName>style.visibility</p:attrName>
+                                        </p:attrNameLst>
+                                      </p:cBhvr>
+                                      <p:to>
+                                        <p:strVal val="visible"/>
+                                      </p:to>
+                                    </p:set>
+                                  </p:childTnLst>
+                                </p:cTn>
+                              </p:par>
+                            </p:childTnLst>
+                          </p:cTn>
+                        </p:par>
+                      </p:childTnLst>
+                    </p:cTn>
+                  </p:par>
+                  <p:par>
+                    <p:cTn id="13" fill="hold">
+                      <p:stCondLst>
+                        <p:cond delay="indefinite"/>
+                      </p:stCondLst>
+                      <p:childTnLst>
+                        <p:par>
+                          <p:cTn id="14" fill="hold">
+                            <p:stCondLst>
+                              <p:cond delay="0"/>
+                            </p:stCondLst>
+                            <p:childTnLst>
+                              <p:par>
+                                <p:cTn id="15" presetID="1" presetClass="entr" presetSubtype="0" fill="hold" grpId="0" nodeType="clickEffect">
+                                  <p:stCondLst>
+                                    <p:cond delay="0"/>
+                                  </p:stCondLst>
+                                  <p:childTnLst>
+                                    <p:set>
+                                      <p:cBhvr>
+                                        <p:cTn id="16" dur="1" fill="hold">
+                                          <p:stCondLst>
+                                            <p:cond delay="0"/>
+                                          </p:stCondLst>
+                                        </p:cTn>
+                                        <p:tgtEl>
+                                          <p:spTgt spid="3">
+                                            <p:txEl>
+                                              <p:pRg st="3" end="3"/>
+                                            </p:txEl>
+                                          </p:spTgt>
+                                        </p:tgtEl>
+                                        <p:attrNameLst>
+                                          <p:attrName>style.visibility</p:attrName>
+                                        </p:attrNameLst>
+                                      </p:cBhvr>
+                                      <p:to>
+                                        <p:strVal val="visible"/>
+                                      </p:to>
+                                    </p:set>
+                                  </p:childTnLst>
+                                </p:cTn>
+                              </p:par>
+                            </p:childTnLst>
+                          </p:cTn>
+                        </p:par>
+                      </p:childTnLst>
+                    </p:cTn>
+                  </p:par>
+                  <p:par>
+                    <p:cTn id="17" fill="hold">
+                      <p:stCondLst>
+                        <p:cond delay="indefinite"/>
+                      </p:stCondLst>
+                      <p:childTnLst>
+                        <p:par>
+                          <p:cTn id="18" fill="hold">
+                            <p:stCondLst>
+                              <p:cond delay="0"/>
+                            </p:stCondLst>
+                            <p:childTnLst>
+                              <p:par>
+                                <p:cTn id="19" presetID="1" presetClass="entr" presetSubtype="0" fill="hold" grpId="0" nodeType="clickEffect">
+                                  <p:stCondLst>
+                                    <p:cond delay="0"/>
+                                  </p:stCondLst>
+                                  <p:childTnLst>
+                                    <p:set>
+                                      <p:cBhvr>
+                                        <p:cTn id="20" dur="1" fill="hold">
+                                          <p:stCondLst>
+                                            <p:cond delay="0"/>
+                                          </p:stCondLst>
+                                        </p:cTn>
+                                        <p:tgtEl>
+                                          <p:spTgt spid="3">
+                                            <p:txEl>
+                                              <p:pRg st="4" end="4"/>
+                                            </p:txEl>
+                                          </p:spTgt>
+                                        </p:tgtEl>
+                                        <p:attrNameLst>
+                                          <p:attrName>style.visibility</p:attrName>
+                                        </p:attrNameLst>
+                                      </p:cBhvr>
+                                      <p:to>
+                                        <p:strVal val="visible"/>
+                                      </p:to>
+                                    </p:set>
+                                  </p:childTnLst>
+                                </p:cTn>
+                              </p:par>
+                            </p:childTnLst>
+                          </p:cTn>
+                        </p:par>
+                      </p:childTnLst>
+                    </p:cTn>
+                  </p:par>
+                </p:childTnLst>
+              </p:cTn>
+              <p:prevCondLst>
+                <p:cond evt="onPrev" delay="0">
+                  <p:tgtEl>
+                    <p:sldTgt/>
+                  </p:tgtEl>
+                </p:cond>
+              </p:prevCondLst>
+              <p:nextCondLst>
+                <p:cond evt="onNext" delay="0">
+                  <p:tgtEl>
+                    <p:sldTgt/>
+                  </p:tgtEl>
+                </p:cond>
+              </p:nextCondLst>
+            </p:seq>
+          </p:childTnLst>
+        </p:cTn>
+      </p:par>
+    </p:tnLst>
+    <p:bldLst>
+      <p:bldP spid="3" grpId="0" build="p"/>
+    </p:bldLst>
+  </p:timing>
+</p:sld>
+</file>
+
 <file path=ppt/slides/slide2.xml><?xml version="1.0" encoding="utf-8"?>
 <p:sld xmlns:a="http://schemas.openxmlformats.org/drawingml/2006/main" xmlns:r="http://schemas.openxmlformats.org/officeDocument/2006/relationships" xmlns:p="http://schemas.openxmlformats.org/presentationml/2006/main">
   <p:cSld>
@@ -3731,7 +4105,20 @@
           <a:p>
             <a:r>
               <a:rPr lang="en-US" dirty="0"/>
-              <a:t>League Promotion:</a:t>
+              <a:t>100 Days</a:t>
+            </a:r>
+          </a:p>
+          <a:p>
+            <a:pPr lvl="1"/>
+            <a:r>
+              <a:rPr lang="en-US" dirty="0"/>
+              <a:t>Xavier Matheson</a:t>
+            </a:r>
+          </a:p>
+          <a:p>
+            <a:r>
+              <a:rPr lang="en-US" dirty="0"/>
+              <a:t>125 Days</a:t>
             </a:r>
           </a:p>
           <a:p>
@@ -3740,36 +4127,6 @@
               <a:rPr lang="en-US" dirty="0"/>
               <a:t>Logan Cruz</a:t>
             </a:r>
-          </a:p>
-          <a:p>
-            <a:r>
-              <a:rPr lang="en-US" dirty="0"/>
-              <a:t>30 Days</a:t>
-            </a:r>
-          </a:p>
-          <a:p>
-            <a:pPr lvl="1"/>
-            <a:r>
-              <a:rPr lang="en-US" dirty="0"/>
-              <a:t>Logan Danner</a:t>
-            </a:r>
-          </a:p>
-          <a:p>
-            <a:r>
-              <a:rPr lang="en-US" dirty="0"/>
-              <a:t>50 Days</a:t>
-            </a:r>
-          </a:p>
-          <a:p>
-            <a:pPr lvl="1"/>
-            <a:r>
-              <a:rPr lang="en-US" dirty="0"/>
-              <a:t>Luke Thompson</a:t>
-            </a:r>
-          </a:p>
-          <a:p>
-            <a:pPr lvl="1"/>
-            <a:endParaRPr lang="en-US" dirty="0"/>
           </a:p>
         </p:txBody>
       </p:sp>
@@ -3914,117 +4271,6 @@
                                   </p:childTnLst>
                                 </p:cTn>
                               </p:par>
-                              <p:par>
-                                <p:cTn id="13" presetID="1" presetClass="entr" presetSubtype="0" fill="hold" grpId="0" nodeType="withEffect">
-                                  <p:stCondLst>
-                                    <p:cond delay="0"/>
-                                  </p:stCondLst>
-                                  <p:childTnLst>
-                                    <p:set>
-                                      <p:cBhvr>
-                                        <p:cTn id="14" dur="1" fill="hold">
-                                          <p:stCondLst>
-                                            <p:cond delay="0"/>
-                                          </p:stCondLst>
-                                        </p:cTn>
-                                        <p:tgtEl>
-                                          <p:spTgt spid="3">
-                                            <p:txEl>
-                                              <p:pRg st="3" end="3"/>
-                                            </p:txEl>
-                                          </p:spTgt>
-                                        </p:tgtEl>
-                                        <p:attrNameLst>
-                                          <p:attrName>style.visibility</p:attrName>
-                                        </p:attrNameLst>
-                                      </p:cBhvr>
-                                      <p:to>
-                                        <p:strVal val="visible"/>
-                                      </p:to>
-                                    </p:set>
-                                  </p:childTnLst>
-                                </p:cTn>
-                              </p:par>
-                            </p:childTnLst>
-                          </p:cTn>
-                        </p:par>
-                      </p:childTnLst>
-                    </p:cTn>
-                  </p:par>
-                  <p:par>
-                    <p:cTn id="15" fill="hold">
-                      <p:stCondLst>
-                        <p:cond delay="indefinite"/>
-                      </p:stCondLst>
-                      <p:childTnLst>
-                        <p:par>
-                          <p:cTn id="16" fill="hold">
-                            <p:stCondLst>
-                              <p:cond delay="0"/>
-                            </p:stCondLst>
-                            <p:childTnLst>
-                              <p:par>
-                                <p:cTn id="17" presetID="1" presetClass="entr" presetSubtype="0" fill="hold" grpId="0" nodeType="clickEffect">
-                                  <p:stCondLst>
-                                    <p:cond delay="0"/>
-                                  </p:stCondLst>
-                                  <p:childTnLst>
-                                    <p:set>
-                                      <p:cBhvr>
-                                        <p:cTn id="18" dur="1" fill="hold">
-                                          <p:stCondLst>
-                                            <p:cond delay="0"/>
-                                          </p:stCondLst>
-                                        </p:cTn>
-                                        <p:tgtEl>
-                                          <p:spTgt spid="3">
-                                            <p:txEl>
-                                              <p:pRg st="4" end="4"/>
-                                            </p:txEl>
-                                          </p:spTgt>
-                                        </p:tgtEl>
-                                        <p:attrNameLst>
-                                          <p:attrName>style.visibility</p:attrName>
-                                        </p:attrNameLst>
-                                      </p:cBhvr>
-                                      <p:to>
-                                        <p:strVal val="visible"/>
-                                      </p:to>
-                                    </p:set>
-                                  </p:childTnLst>
-                                </p:cTn>
-                              </p:par>
-                              <p:par>
-                                <p:cTn id="19" presetID="1" presetClass="entr" presetSubtype="0" fill="hold" grpId="0" nodeType="withEffect">
-                                  <p:stCondLst>
-                                    <p:cond delay="0"/>
-                                  </p:stCondLst>
-                                  <p:childTnLst>
-                                    <p:set>
-                                      <p:cBhvr>
-                                        <p:cTn id="20" dur="1" fill="hold">
-                                          <p:stCondLst>
-                                            <p:cond delay="0"/>
-                                          </p:stCondLst>
-                                        </p:cTn>
-                                        <p:tgtEl>
-                                          <p:spTgt spid="3">
-                                            <p:txEl>
-                                              <p:pRg st="5" end="5"/>
-                                            </p:txEl>
-                                          </p:spTgt>
-                                        </p:tgtEl>
-                                        <p:attrNameLst>
-                                          <p:attrName>style.visibility</p:attrName>
-                                        </p:attrNameLst>
-                                      </p:cBhvr>
-                                      <p:to>
-                                        <p:strVal val="visible"/>
-                                      </p:to>
-                                    </p:set>
-                                  </p:childTnLst>
-                                </p:cTn>
-                              </p:par>
                             </p:childTnLst>
                           </p:cTn>
                         </p:par>
@@ -4123,14 +4369,19 @@
         <p:spPr/>
         <p:txBody>
           <a:bodyPr>
-            <a:normAutofit lnSpcReduction="10000"/>
+            <a:normAutofit/>
           </a:bodyPr>
           <a:lstStyle/>
           <a:p>
             <a:r>
               <a:rPr lang="en-US" dirty="0"/>
-              <a:t>Talon P.</a:t>
-            </a:r>
+              <a:t>Alex Plitt and Riley </a:t>
+            </a:r>
+            <a:r>
+              <a:rPr lang="en-US" dirty="0" err="1"/>
+              <a:t>Rorrer</a:t>
+            </a:r>
+            <a:endParaRPr lang="en-US" dirty="0"/>
           </a:p>
           <a:p>
             <a:pPr lvl="1"/>
@@ -4138,42 +4389,42 @@
               <a:rPr lang="en-US" dirty="0">
                 <a:hlinkClick r:id="rId2"/>
               </a:rPr>
-              <a:t>https://talon24229.github.io/</a:t>
+              <a:t>https://github.com/Riley23062/MHTextBased</a:t>
             </a:r>
             <a:endParaRPr lang="en-US" dirty="0"/>
           </a:p>
           <a:p>
             <a:r>
+              <a:rPr lang="en-US" dirty="0"/>
+              <a:t>Trey </a:t>
+            </a:r>
+            <a:r>
               <a:rPr lang="en-US" dirty="0" err="1"/>
-              <a:t>Jaysin</a:t>
-            </a:r>
+              <a:t>Floto</a:t>
+            </a:r>
+            <a:endParaRPr lang="en-US" dirty="0"/>
+          </a:p>
+          <a:p>
+            <a:pPr lvl="1"/>
+            <a:r>
+              <a:rPr lang="en-US" dirty="0">
+                <a:hlinkClick r:id="rId3"/>
+              </a:rPr>
+              <a:t>https://github.com/TFloto/ChatGPT-formbar</a:t>
+            </a:r>
+            <a:endParaRPr lang="en-US" dirty="0"/>
+          </a:p>
+          <a:p>
             <a:r>
               <a:rPr lang="en-US" dirty="0"/>
-              <a:t> Haugh</a:t>
+              <a:t>Mac Hoover</a:t>
             </a:r>
           </a:p>
           <a:p>
             <a:pPr lvl="1"/>
             <a:r>
-              <a:rPr lang="en-US" dirty="0" err="1"/>
-              <a:t>Ghostmouse</a:t>
-            </a:r>
-            <a:r>
               <a:rPr lang="en-US" dirty="0"/>
-              <a:t> Tower Defense Player</a:t>
-            </a:r>
-          </a:p>
-          <a:p>
-            <a:r>
-              <a:rPr lang="en-US" dirty="0"/>
-              <a:t>Parker Fink</a:t>
-            </a:r>
-          </a:p>
-          <a:p>
-            <a:pPr lvl="1"/>
-            <a:r>
-              <a:rPr lang="en-US" dirty="0"/>
-              <a:t>Python “Command Prompt”</a:t>
+              <a:t>Minecraft 2d improvements</a:t>
             </a:r>
           </a:p>
           <a:p>
@@ -4186,37 +4437,27 @@
             <a:pPr lvl="1"/>
             <a:r>
               <a:rPr lang="en-US" dirty="0"/>
-              <a:t>Pog </a:t>
+              <a:t>Please use a changelog.md instead of .docx</a:t>
+            </a:r>
+          </a:p>
+          <a:p>
+            <a:pPr lvl="1"/>
+            <a:r>
+              <a:rPr lang="en-US" dirty="0"/>
+              <a:t>Continued pog </a:t>
             </a:r>
             <a:r>
               <a:rPr lang="en-US" dirty="0" err="1"/>
-              <a:t>Lootbox</a:t>
+              <a:t>lootbox</a:t>
             </a:r>
             <a:r>
               <a:rPr lang="en-US" dirty="0"/>
-              <a:t> Unboxing Simulator</a:t>
-            </a:r>
-          </a:p>
-          <a:p>
-            <a:r>
-              <a:rPr lang="en-US" dirty="0"/>
-              <a:t>John Eckert</a:t>
+              <a:t> unboxing sim</a:t>
             </a:r>
           </a:p>
           <a:p>
             <a:pPr lvl="1"/>
-            <a:r>
-              <a:rPr lang="en-US" dirty="0"/>
-              <a:t>Godot Game (was the only one who wrote it in their </a:t>
-            </a:r>
-            <a:r>
-              <a:rPr lang="en-US" dirty="0" err="1"/>
-              <a:t>docpac</a:t>
-            </a:r>
-            <a:r>
-              <a:rPr lang="en-US" dirty="0"/>
-              <a:t>)</a:t>
-            </a:r>
+            <a:endParaRPr lang="en-US" dirty="0"/>
           </a:p>
           <a:p>
             <a:endParaRPr lang="en-US" dirty="0"/>
@@ -4564,33 +4805,15 @@
                                   </p:childTnLst>
                                 </p:cTn>
                               </p:par>
-                            </p:childTnLst>
-                          </p:cTn>
-                        </p:par>
-                      </p:childTnLst>
-                    </p:cTn>
-                  </p:par>
-                  <p:par>
-                    <p:cTn id="27" fill="hold">
-                      <p:stCondLst>
-                        <p:cond delay="indefinite"/>
-                      </p:stCondLst>
-                      <p:childTnLst>
-                        <p:par>
-                          <p:cTn id="28" fill="hold">
-                            <p:stCondLst>
-                              <p:cond delay="0"/>
-                            </p:stCondLst>
-                            <p:childTnLst>
                               <p:par>
-                                <p:cTn id="29" presetID="1" presetClass="entr" presetSubtype="0" fill="hold" grpId="0" nodeType="clickEffect">
+                                <p:cTn id="27" presetID="1" presetClass="entr" presetSubtype="0" fill="hold" grpId="0" nodeType="withEffect">
                                   <p:stCondLst>
                                     <p:cond delay="0"/>
                                   </p:stCondLst>
                                   <p:childTnLst>
                                     <p:set>
                                       <p:cBhvr>
-                                        <p:cTn id="30" dur="1" fill="hold">
+                                        <p:cTn id="28" dur="1" fill="hold">
                                           <p:stCondLst>
                                             <p:cond delay="0"/>
                                           </p:stCondLst>
@@ -4599,37 +4822,6 @@
                                           <p:spTgt spid="3">
                                             <p:txEl>
                                               <p:pRg st="8" end="8"/>
-                                            </p:txEl>
-                                          </p:spTgt>
-                                        </p:tgtEl>
-                                        <p:attrNameLst>
-                                          <p:attrName>style.visibility</p:attrName>
-                                        </p:attrNameLst>
-                                      </p:cBhvr>
-                                      <p:to>
-                                        <p:strVal val="visible"/>
-                                      </p:to>
-                                    </p:set>
-                                  </p:childTnLst>
-                                </p:cTn>
-                              </p:par>
-                              <p:par>
-                                <p:cTn id="31" presetID="1" presetClass="entr" presetSubtype="0" fill="hold" grpId="0" nodeType="withEffect">
-                                  <p:stCondLst>
-                                    <p:cond delay="0"/>
-                                  </p:stCondLst>
-                                  <p:childTnLst>
-                                    <p:set>
-                                      <p:cBhvr>
-                                        <p:cTn id="32" dur="1" fill="hold">
-                                          <p:stCondLst>
-                                            <p:cond delay="0"/>
-                                          </p:stCondLst>
-                                        </p:cTn>
-                                        <p:tgtEl>
-                                          <p:spTgt spid="3">
-                                            <p:txEl>
-                                              <p:pRg st="9" end="9"/>
                                             </p:txEl>
                                           </p:spTgt>
                                         </p:tgtEl>
@@ -4679,6 +4871,233 @@
 </file>
 
 <file path=ppt/slides/slide4.xml><?xml version="1.0" encoding="utf-8"?>
+<p:sld xmlns:a="http://schemas.openxmlformats.org/drawingml/2006/main" xmlns:r="http://schemas.openxmlformats.org/officeDocument/2006/relationships" xmlns:p="http://schemas.openxmlformats.org/presentationml/2006/main">
+  <p:cSld>
+    <p:spTree>
+      <p:nvGrpSpPr>
+        <p:cNvPr id="1" name=""/>
+        <p:cNvGrpSpPr/>
+        <p:nvPr/>
+      </p:nvGrpSpPr>
+      <p:grpSpPr>
+        <a:xfrm>
+          <a:off x="0" y="0"/>
+          <a:ext cx="0" cy="0"/>
+          <a:chOff x="0" y="0"/>
+          <a:chExt cx="0" cy="0"/>
+        </a:xfrm>
+      </p:grpSpPr>
+      <p:sp>
+        <p:nvSpPr>
+          <p:cNvPr id="2" name="Title 1">
+            <a:extLst>
+              <a:ext uri="{FF2B5EF4-FFF2-40B4-BE49-F238E27FC236}">
+                <a16:creationId xmlns:a16="http://schemas.microsoft.com/office/drawing/2014/main" id="{8EFBF4C5-4293-48B0-AAC0-DA3C303B9543}"/>
+              </a:ext>
+            </a:extLst>
+          </p:cNvPr>
+          <p:cNvSpPr>
+            <a:spLocks noGrp="1"/>
+          </p:cNvSpPr>
+          <p:nvPr>
+            <p:ph type="title"/>
+          </p:nvPr>
+        </p:nvSpPr>
+        <p:spPr/>
+        <p:txBody>
+          <a:bodyPr/>
+          <a:lstStyle/>
+          <a:p>
+            <a:r>
+              <a:rPr lang="en-US" dirty="0"/>
+              <a:t>Chairs?</a:t>
+            </a:r>
+          </a:p>
+        </p:txBody>
+      </p:sp>
+      <p:sp>
+        <p:nvSpPr>
+          <p:cNvPr id="3" name="Content Placeholder 2">
+            <a:extLst>
+              <a:ext uri="{FF2B5EF4-FFF2-40B4-BE49-F238E27FC236}">
+                <a16:creationId xmlns:a16="http://schemas.microsoft.com/office/drawing/2014/main" id="{FA8BE998-E751-4B6A-8EFF-6B45B57C3FF2}"/>
+              </a:ext>
+            </a:extLst>
+          </p:cNvPr>
+          <p:cNvSpPr>
+            <a:spLocks noGrp="1"/>
+          </p:cNvSpPr>
+          <p:nvPr>
+            <p:ph idx="1"/>
+          </p:nvPr>
+        </p:nvSpPr>
+        <p:spPr/>
+        <p:txBody>
+          <a:bodyPr/>
+          <a:lstStyle/>
+          <a:p>
+            <a:endParaRPr lang="en-US" dirty="0"/>
+          </a:p>
+        </p:txBody>
+      </p:sp>
+    </p:spTree>
+    <p:extLst>
+      <p:ext uri="{BB962C8B-B14F-4D97-AF65-F5344CB8AC3E}">
+        <p14:creationId xmlns:p14="http://schemas.microsoft.com/office/powerpoint/2010/main" val="181073489"/>
+      </p:ext>
+    </p:extLst>
+  </p:cSld>
+  <p:clrMapOvr>
+    <a:masterClrMapping/>
+  </p:clrMapOvr>
+</p:sld>
+</file>
+
+<file path=ppt/slides/slide5.xml><?xml version="1.0" encoding="utf-8"?>
+<p:sld xmlns:a="http://schemas.openxmlformats.org/drawingml/2006/main" xmlns:r="http://schemas.openxmlformats.org/officeDocument/2006/relationships" xmlns:p="http://schemas.openxmlformats.org/presentationml/2006/main">
+  <p:cSld>
+    <p:spTree>
+      <p:nvGrpSpPr>
+        <p:cNvPr id="1" name=""/>
+        <p:cNvGrpSpPr/>
+        <p:nvPr/>
+      </p:nvGrpSpPr>
+      <p:grpSpPr>
+        <a:xfrm>
+          <a:off x="0" y="0"/>
+          <a:ext cx="0" cy="0"/>
+          <a:chOff x="0" y="0"/>
+          <a:chExt cx="0" cy="0"/>
+        </a:xfrm>
+      </p:grpSpPr>
+      <p:sp>
+        <p:nvSpPr>
+          <p:cNvPr id="2" name="Title 1">
+            <a:extLst>
+              <a:ext uri="{FF2B5EF4-FFF2-40B4-BE49-F238E27FC236}">
+                <a16:creationId xmlns:a16="http://schemas.microsoft.com/office/drawing/2014/main" id="{33878A27-DE76-DBC9-7AE1-BBB7E23F6B1D}"/>
+              </a:ext>
+            </a:extLst>
+          </p:cNvPr>
+          <p:cNvSpPr>
+            <a:spLocks noGrp="1"/>
+          </p:cNvSpPr>
+          <p:nvPr>
+            <p:ph type="title"/>
+          </p:nvPr>
+        </p:nvSpPr>
+        <p:spPr/>
+        <p:txBody>
+          <a:bodyPr/>
+          <a:lstStyle/>
+          <a:p>
+            <a:r>
+              <a:rPr lang="en-US" dirty="0"/>
+              <a:t>Read the </a:t>
+            </a:r>
+            <a:r>
+              <a:rPr lang="en-US" dirty="0" err="1"/>
+              <a:t>DocPac</a:t>
+            </a:r>
+            <a:endParaRPr lang="en-US" dirty="0"/>
+          </a:p>
+        </p:txBody>
+      </p:sp>
+      <p:sp>
+        <p:nvSpPr>
+          <p:cNvPr id="3" name="Content Placeholder 2">
+            <a:extLst>
+              <a:ext uri="{FF2B5EF4-FFF2-40B4-BE49-F238E27FC236}">
+                <a16:creationId xmlns:a16="http://schemas.microsoft.com/office/drawing/2014/main" id="{8694225A-7E3B-6D15-7E5E-E2DE29833A9C}"/>
+              </a:ext>
+            </a:extLst>
+          </p:cNvPr>
+          <p:cNvSpPr>
+            <a:spLocks noGrp="1"/>
+          </p:cNvSpPr>
+          <p:nvPr>
+            <p:ph idx="1"/>
+          </p:nvPr>
+        </p:nvSpPr>
+        <p:spPr/>
+        <p:txBody>
+          <a:bodyPr/>
+          <a:lstStyle/>
+          <a:p>
+            <a:r>
+              <a:rPr lang="en-US" dirty="0"/>
+              <a:t>“I did not take advantage of any responsibilities this week”</a:t>
+            </a:r>
+          </a:p>
+          <a:p>
+            <a:pPr lvl="1"/>
+            <a:r>
+              <a:rPr lang="en-US" dirty="0"/>
+              <a:t>Not only did I say twice, verbatim, not to say this anymore, </a:t>
+            </a:r>
+            <a:r>
+              <a:rPr lang="en-US" b="1" i="1" dirty="0"/>
+              <a:t>it wasn’t even an answer to the question I asked.</a:t>
+            </a:r>
+            <a:endParaRPr lang="en-US" b="1" dirty="0"/>
+          </a:p>
+          <a:p>
+            <a:r>
+              <a:rPr lang="en-US" dirty="0"/>
+              <a:t>You were to submit both your version of the </a:t>
+            </a:r>
+            <a:r>
+              <a:rPr lang="en-US" dirty="0" err="1"/>
+              <a:t>OpenAI</a:t>
+            </a:r>
+            <a:r>
+              <a:rPr lang="en-US" dirty="0"/>
+              <a:t> project, and the AI’s version.</a:t>
+            </a:r>
+          </a:p>
+          <a:p>
+            <a:pPr lvl="1"/>
+            <a:r>
+              <a:rPr lang="en-US" dirty="0"/>
+              <a:t>If you only turned in one HTML page, you only got half the grade.</a:t>
+            </a:r>
+          </a:p>
+          <a:p>
+            <a:r>
+              <a:rPr lang="en-US" dirty="0"/>
+              <a:t>“I did not have any opportunities to take advantage of”</a:t>
+            </a:r>
+          </a:p>
+          <a:p>
+            <a:pPr lvl="1"/>
+            <a:r>
+              <a:rPr lang="en-US" dirty="0"/>
+              <a:t>You are going to have a difficult life and you will spend a lot of time blaming others for your failures.</a:t>
+            </a:r>
+          </a:p>
+          <a:p>
+            <a:pPr lvl="1"/>
+            <a:r>
+              <a:rPr lang="en-US" dirty="0"/>
+              <a:t>I will give a 0 for this answer in the future.</a:t>
+            </a:r>
+          </a:p>
+        </p:txBody>
+      </p:sp>
+    </p:spTree>
+    <p:extLst>
+      <p:ext uri="{BB962C8B-B14F-4D97-AF65-F5344CB8AC3E}">
+        <p14:creationId xmlns:p14="http://schemas.microsoft.com/office/powerpoint/2010/main" val="1743841236"/>
+      </p:ext>
+    </p:extLst>
+  </p:cSld>
+  <p:clrMapOvr>
+    <a:masterClrMapping/>
+  </p:clrMapOvr>
+</p:sld>
+</file>
+
+<file path=ppt/slides/slide6.xml><?xml version="1.0" encoding="utf-8"?>
 <p:sld xmlns:a="http://schemas.openxmlformats.org/drawingml/2006/main" xmlns:r="http://schemas.openxmlformats.org/officeDocument/2006/relationships" xmlns:p="http://schemas.openxmlformats.org/presentationml/2006/main">
   <p:cSld>
     <p:spTree>
@@ -5169,233 +5588,6 @@
 </p:sld>
 </file>
 
-<file path=ppt/slides/slide5.xml><?xml version="1.0" encoding="utf-8"?>
-<p:sld xmlns:a="http://schemas.openxmlformats.org/drawingml/2006/main" xmlns:r="http://schemas.openxmlformats.org/officeDocument/2006/relationships" xmlns:p="http://schemas.openxmlformats.org/presentationml/2006/main">
-  <p:cSld>
-    <p:spTree>
-      <p:nvGrpSpPr>
-        <p:cNvPr id="1" name=""/>
-        <p:cNvGrpSpPr/>
-        <p:nvPr/>
-      </p:nvGrpSpPr>
-      <p:grpSpPr>
-        <a:xfrm>
-          <a:off x="0" y="0"/>
-          <a:ext cx="0" cy="0"/>
-          <a:chOff x="0" y="0"/>
-          <a:chExt cx="0" cy="0"/>
-        </a:xfrm>
-      </p:grpSpPr>
-      <p:sp>
-        <p:nvSpPr>
-          <p:cNvPr id="2" name="Title 1">
-            <a:extLst>
-              <a:ext uri="{FF2B5EF4-FFF2-40B4-BE49-F238E27FC236}">
-                <a16:creationId xmlns:a16="http://schemas.microsoft.com/office/drawing/2014/main" id="{8EFBF4C5-4293-48B0-AAC0-DA3C303B9543}"/>
-              </a:ext>
-            </a:extLst>
-          </p:cNvPr>
-          <p:cNvSpPr>
-            <a:spLocks noGrp="1"/>
-          </p:cNvSpPr>
-          <p:nvPr>
-            <p:ph type="title"/>
-          </p:nvPr>
-        </p:nvSpPr>
-        <p:spPr/>
-        <p:txBody>
-          <a:bodyPr/>
-          <a:lstStyle/>
-          <a:p>
-            <a:r>
-              <a:rPr lang="en-US" dirty="0"/>
-              <a:t>Chairs?</a:t>
-            </a:r>
-          </a:p>
-        </p:txBody>
-      </p:sp>
-      <p:sp>
-        <p:nvSpPr>
-          <p:cNvPr id="3" name="Content Placeholder 2">
-            <a:extLst>
-              <a:ext uri="{FF2B5EF4-FFF2-40B4-BE49-F238E27FC236}">
-                <a16:creationId xmlns:a16="http://schemas.microsoft.com/office/drawing/2014/main" id="{FA8BE998-E751-4B6A-8EFF-6B45B57C3FF2}"/>
-              </a:ext>
-            </a:extLst>
-          </p:cNvPr>
-          <p:cNvSpPr>
-            <a:spLocks noGrp="1"/>
-          </p:cNvSpPr>
-          <p:nvPr>
-            <p:ph idx="1"/>
-          </p:nvPr>
-        </p:nvSpPr>
-        <p:spPr/>
-        <p:txBody>
-          <a:bodyPr/>
-          <a:lstStyle/>
-          <a:p>
-            <a:endParaRPr lang="en-US" dirty="0"/>
-          </a:p>
-        </p:txBody>
-      </p:sp>
-    </p:spTree>
-    <p:extLst>
-      <p:ext uri="{BB962C8B-B14F-4D97-AF65-F5344CB8AC3E}">
-        <p14:creationId xmlns:p14="http://schemas.microsoft.com/office/powerpoint/2010/main" val="181073489"/>
-      </p:ext>
-    </p:extLst>
-  </p:cSld>
-  <p:clrMapOvr>
-    <a:masterClrMapping/>
-  </p:clrMapOvr>
-</p:sld>
-</file>
-
-<file path=ppt/slides/slide6.xml><?xml version="1.0" encoding="utf-8"?>
-<p:sld xmlns:a="http://schemas.openxmlformats.org/drawingml/2006/main" xmlns:r="http://schemas.openxmlformats.org/officeDocument/2006/relationships" xmlns:p="http://schemas.openxmlformats.org/presentationml/2006/main">
-  <p:cSld>
-    <p:spTree>
-      <p:nvGrpSpPr>
-        <p:cNvPr id="1" name=""/>
-        <p:cNvGrpSpPr/>
-        <p:nvPr/>
-      </p:nvGrpSpPr>
-      <p:grpSpPr>
-        <a:xfrm>
-          <a:off x="0" y="0"/>
-          <a:ext cx="0" cy="0"/>
-          <a:chOff x="0" y="0"/>
-          <a:chExt cx="0" cy="0"/>
-        </a:xfrm>
-      </p:grpSpPr>
-      <p:sp>
-        <p:nvSpPr>
-          <p:cNvPr id="2" name="Title 1">
-            <a:extLst>
-              <a:ext uri="{FF2B5EF4-FFF2-40B4-BE49-F238E27FC236}">
-                <a16:creationId xmlns:a16="http://schemas.microsoft.com/office/drawing/2014/main" id="{33878A27-DE76-DBC9-7AE1-BBB7E23F6B1D}"/>
-              </a:ext>
-            </a:extLst>
-          </p:cNvPr>
-          <p:cNvSpPr>
-            <a:spLocks noGrp="1"/>
-          </p:cNvSpPr>
-          <p:nvPr>
-            <p:ph type="title"/>
-          </p:nvPr>
-        </p:nvSpPr>
-        <p:spPr/>
-        <p:txBody>
-          <a:bodyPr/>
-          <a:lstStyle/>
-          <a:p>
-            <a:r>
-              <a:rPr lang="en-US" dirty="0"/>
-              <a:t>Read the </a:t>
-            </a:r>
-            <a:r>
-              <a:rPr lang="en-US" dirty="0" err="1"/>
-              <a:t>DocPac</a:t>
-            </a:r>
-            <a:endParaRPr lang="en-US" dirty="0"/>
-          </a:p>
-        </p:txBody>
-      </p:sp>
-      <p:sp>
-        <p:nvSpPr>
-          <p:cNvPr id="3" name="Content Placeholder 2">
-            <a:extLst>
-              <a:ext uri="{FF2B5EF4-FFF2-40B4-BE49-F238E27FC236}">
-                <a16:creationId xmlns:a16="http://schemas.microsoft.com/office/drawing/2014/main" id="{8694225A-7E3B-6D15-7E5E-E2DE29833A9C}"/>
-              </a:ext>
-            </a:extLst>
-          </p:cNvPr>
-          <p:cNvSpPr>
-            <a:spLocks noGrp="1"/>
-          </p:cNvSpPr>
-          <p:nvPr>
-            <p:ph idx="1"/>
-          </p:nvPr>
-        </p:nvSpPr>
-        <p:spPr/>
-        <p:txBody>
-          <a:bodyPr/>
-          <a:lstStyle/>
-          <a:p>
-            <a:r>
-              <a:rPr lang="en-US" dirty="0"/>
-              <a:t>“I did not take advantage of any responsibilities this week”</a:t>
-            </a:r>
-          </a:p>
-          <a:p>
-            <a:pPr lvl="1"/>
-            <a:r>
-              <a:rPr lang="en-US" dirty="0"/>
-              <a:t>Not only did I say twice, verbatim, not to say this anymore, </a:t>
-            </a:r>
-            <a:r>
-              <a:rPr lang="en-US" b="1" i="1" dirty="0"/>
-              <a:t>it wasn’t even an answer to the question I asked.</a:t>
-            </a:r>
-            <a:endParaRPr lang="en-US" b="1" dirty="0"/>
-          </a:p>
-          <a:p>
-            <a:r>
-              <a:rPr lang="en-US" dirty="0"/>
-              <a:t>You were to submit both your version of the </a:t>
-            </a:r>
-            <a:r>
-              <a:rPr lang="en-US" dirty="0" err="1"/>
-              <a:t>OpenAI</a:t>
-            </a:r>
-            <a:r>
-              <a:rPr lang="en-US" dirty="0"/>
-              <a:t> project, and the AI’s version.</a:t>
-            </a:r>
-          </a:p>
-          <a:p>
-            <a:pPr lvl="1"/>
-            <a:r>
-              <a:rPr lang="en-US" dirty="0"/>
-              <a:t>If you only turned in one HTML page, you only got half the grade.</a:t>
-            </a:r>
-          </a:p>
-          <a:p>
-            <a:r>
-              <a:rPr lang="en-US" dirty="0"/>
-              <a:t>“I did not have any opportunities to take advantage of”</a:t>
-            </a:r>
-          </a:p>
-          <a:p>
-            <a:pPr lvl="1"/>
-            <a:r>
-              <a:rPr lang="en-US" dirty="0"/>
-              <a:t>You are going to have a difficult life and you will spend a lot of time blaming others for your failures.</a:t>
-            </a:r>
-          </a:p>
-          <a:p>
-            <a:pPr lvl="1"/>
-            <a:r>
-              <a:rPr lang="en-US" dirty="0"/>
-              <a:t>I will give a 0 for this answer in the future.</a:t>
-            </a:r>
-          </a:p>
-        </p:txBody>
-      </p:sp>
-    </p:spTree>
-    <p:extLst>
-      <p:ext uri="{BB962C8B-B14F-4D97-AF65-F5344CB8AC3E}">
-        <p14:creationId xmlns:p14="http://schemas.microsoft.com/office/powerpoint/2010/main" val="1743841236"/>
-      </p:ext>
-    </p:extLst>
-  </p:cSld>
-  <p:clrMapOvr>
-    <a:masterClrMapping/>
-  </p:clrMapOvr>
-</p:sld>
-</file>
-
 <file path=ppt/slides/slide7.xml><?xml version="1.0" encoding="utf-8"?>
 <p:sld xmlns:a="http://schemas.openxmlformats.org/drawingml/2006/main" xmlns:r="http://schemas.openxmlformats.org/officeDocument/2006/relationships" xmlns:p="http://schemas.openxmlformats.org/presentationml/2006/main">
   <p:cSld>
@@ -5418,7 +5610,7 @@
           <p:cNvPr id="2" name="Title 1">
             <a:extLst>
               <a:ext uri="{FF2B5EF4-FFF2-40B4-BE49-F238E27FC236}">
-                <a16:creationId xmlns:a16="http://schemas.microsoft.com/office/drawing/2014/main" id="{D8A007DE-64F1-498B-BB5C-EE0FC11B39B7}"/>
+                <a16:creationId xmlns:a16="http://schemas.microsoft.com/office/drawing/2014/main" id="{73281584-968E-44E9-8667-87657B8F9910}"/>
               </a:ext>
             </a:extLst>
           </p:cNvPr>
@@ -5436,7 +5628,7 @@
           <a:p>
             <a:r>
               <a:rPr lang="en-US" dirty="0"/>
-              <a:t>This week</a:t>
+              <a:t>My Reflection pt1</a:t>
             </a:r>
           </a:p>
         </p:txBody>
@@ -5446,7 +5638,7 @@
           <p:cNvPr id="3" name="Content Placeholder 2">
             <a:extLst>
               <a:ext uri="{FF2B5EF4-FFF2-40B4-BE49-F238E27FC236}">
-                <a16:creationId xmlns:a16="http://schemas.microsoft.com/office/drawing/2014/main" id="{45EC885E-E553-4463-BA3B-228F45C073F1}"/>
+                <a16:creationId xmlns:a16="http://schemas.microsoft.com/office/drawing/2014/main" id="{F6BBC497-3F5D-41CC-8247-03D5D16B4FEE}"/>
               </a:ext>
             </a:extLst>
           </p:cNvPr>
@@ -5464,336 +5656,214 @@
           <a:p>
             <a:r>
               <a:rPr lang="en-US" dirty="0"/>
-              <a:t>Tours</a:t>
-            </a:r>
-          </a:p>
-          <a:p>
+              <a:t>What is one technique you learned in coding this week, and how will you use it in the future?</a:t>
+            </a:r>
+          </a:p>
+          <a:p>
+            <a:pPr lvl="1"/>
             <a:r>
               <a:rPr lang="en-US" dirty="0"/>
-              <a:t>Continuing CIW as normal</a:t>
-            </a:r>
-          </a:p>
-          <a:p>
-            <a:r>
-              <a:rPr lang="en-US" dirty="0"/>
-              <a:t>Still back grading old reflections</a:t>
-            </a:r>
-          </a:p>
-          <a:p>
-            <a:r>
-              <a:rPr lang="en-US" dirty="0"/>
-              <a:t>Experimenting with </a:t>
-            </a:r>
-            <a:r>
-              <a:rPr lang="en-US" dirty="0" err="1"/>
-              <a:t>OpenAI</a:t>
-            </a:r>
-            <a:endParaRPr lang="en-US" dirty="0"/>
-          </a:p>
-          <a:p>
-            <a:r>
-              <a:rPr lang="en-US" dirty="0"/>
-              <a:t>TOURS! Ask for passes if </a:t>
-            </a:r>
-            <a:r>
-              <a:rPr lang="en-US"/>
-              <a:t>you want to do tours this week.</a:t>
-            </a:r>
-            <a:endParaRPr lang="en-US" dirty="0"/>
-          </a:p>
-          <a:p>
-            <a:endParaRPr lang="en-US" dirty="0"/>
+              <a:t>This one is very specific to a project. NodeJS suffers from something know as “callback hell”, where synchronous code has to be put inside preceding callbacks of asynchronous functions. For example, if I want to write data to a database, but I first need data from the database, I have to put the write function inside of the read function’s callback. Someone showed me a way of writing sync functions for common database calls, and those sync functions can be used with ‘await’ to make them synchronous. This makes Nodejs behave in a reasonable, synchronous manner instead of tunneling down into dozens of callbacks.</a:t>
+            </a:r>
           </a:p>
         </p:txBody>
       </p:sp>
     </p:spTree>
     <p:extLst>
       <p:ext uri="{BB962C8B-B14F-4D97-AF65-F5344CB8AC3E}">
-        <p14:creationId xmlns:p14="http://schemas.microsoft.com/office/powerpoint/2010/main" val="3186301414"/>
+        <p14:creationId xmlns:p14="http://schemas.microsoft.com/office/powerpoint/2010/main" val="3580603149"/>
       </p:ext>
     </p:extLst>
   </p:cSld>
   <p:clrMapOvr>
     <a:masterClrMapping/>
   </p:clrMapOvr>
-  <p:timing>
-    <p:tnLst>
-      <p:par>
-        <p:cTn id="1" dur="indefinite" restart="never" nodeType="tmRoot">
-          <p:childTnLst>
-            <p:seq concurrent="1" nextAc="seek">
-              <p:cTn id="2" dur="indefinite" nodeType="mainSeq">
-                <p:childTnLst>
-                  <p:par>
-                    <p:cTn id="3" fill="hold">
-                      <p:stCondLst>
-                        <p:cond delay="indefinite"/>
-                      </p:stCondLst>
-                      <p:childTnLst>
-                        <p:par>
-                          <p:cTn id="4" fill="hold">
-                            <p:stCondLst>
-                              <p:cond delay="0"/>
-                            </p:stCondLst>
-                            <p:childTnLst>
-                              <p:par>
-                                <p:cTn id="5" presetID="1" presetClass="entr" presetSubtype="0" fill="hold" grpId="0" nodeType="clickEffect">
-                                  <p:stCondLst>
-                                    <p:cond delay="0"/>
-                                  </p:stCondLst>
-                                  <p:childTnLst>
-                                    <p:set>
-                                      <p:cBhvr>
-                                        <p:cTn id="6" dur="1" fill="hold">
-                                          <p:stCondLst>
-                                            <p:cond delay="0"/>
-                                          </p:stCondLst>
-                                        </p:cTn>
-                                        <p:tgtEl>
-                                          <p:spTgt spid="3">
-                                            <p:txEl>
-                                              <p:pRg st="0" end="0"/>
-                                            </p:txEl>
-                                          </p:spTgt>
-                                        </p:tgtEl>
-                                        <p:attrNameLst>
-                                          <p:attrName>style.visibility</p:attrName>
-                                        </p:attrNameLst>
-                                      </p:cBhvr>
-                                      <p:to>
-                                        <p:strVal val="visible"/>
-                                      </p:to>
-                                    </p:set>
-                                  </p:childTnLst>
-                                </p:cTn>
-                              </p:par>
-                            </p:childTnLst>
-                          </p:cTn>
-                        </p:par>
-                      </p:childTnLst>
-                    </p:cTn>
-                  </p:par>
-                  <p:par>
-                    <p:cTn id="7" fill="hold">
-                      <p:stCondLst>
-                        <p:cond delay="indefinite"/>
-                      </p:stCondLst>
-                      <p:childTnLst>
-                        <p:par>
-                          <p:cTn id="8" fill="hold">
-                            <p:stCondLst>
-                              <p:cond delay="0"/>
-                            </p:stCondLst>
-                            <p:childTnLst>
-                              <p:par>
-                                <p:cTn id="9" presetID="1" presetClass="entr" presetSubtype="0" fill="hold" grpId="0" nodeType="clickEffect">
-                                  <p:stCondLst>
-                                    <p:cond delay="0"/>
-                                  </p:stCondLst>
-                                  <p:childTnLst>
-                                    <p:set>
-                                      <p:cBhvr>
-                                        <p:cTn id="10" dur="1" fill="hold">
-                                          <p:stCondLst>
-                                            <p:cond delay="0"/>
-                                          </p:stCondLst>
-                                        </p:cTn>
-                                        <p:tgtEl>
-                                          <p:spTgt spid="3">
-                                            <p:txEl>
-                                              <p:pRg st="1" end="1"/>
-                                            </p:txEl>
-                                          </p:spTgt>
-                                        </p:tgtEl>
-                                        <p:attrNameLst>
-                                          <p:attrName>style.visibility</p:attrName>
-                                        </p:attrNameLst>
-                                      </p:cBhvr>
-                                      <p:to>
-                                        <p:strVal val="visible"/>
-                                      </p:to>
-                                    </p:set>
-                                  </p:childTnLst>
-                                </p:cTn>
-                              </p:par>
-                            </p:childTnLst>
-                          </p:cTn>
-                        </p:par>
-                      </p:childTnLst>
-                    </p:cTn>
-                  </p:par>
-                  <p:par>
-                    <p:cTn id="11" fill="hold">
-                      <p:stCondLst>
-                        <p:cond delay="indefinite"/>
-                      </p:stCondLst>
-                      <p:childTnLst>
-                        <p:par>
-                          <p:cTn id="12" fill="hold">
-                            <p:stCondLst>
-                              <p:cond delay="0"/>
-                            </p:stCondLst>
-                            <p:childTnLst>
-                              <p:par>
-                                <p:cTn id="13" presetID="1" presetClass="entr" presetSubtype="0" fill="hold" grpId="0" nodeType="clickEffect">
-                                  <p:stCondLst>
-                                    <p:cond delay="0"/>
-                                  </p:stCondLst>
-                                  <p:childTnLst>
-                                    <p:set>
-                                      <p:cBhvr>
-                                        <p:cTn id="14" dur="1" fill="hold">
-                                          <p:stCondLst>
-                                            <p:cond delay="0"/>
-                                          </p:stCondLst>
-                                        </p:cTn>
-                                        <p:tgtEl>
-                                          <p:spTgt spid="3">
-                                            <p:txEl>
-                                              <p:pRg st="2" end="2"/>
-                                            </p:txEl>
-                                          </p:spTgt>
-                                        </p:tgtEl>
-                                        <p:attrNameLst>
-                                          <p:attrName>style.visibility</p:attrName>
-                                        </p:attrNameLst>
-                                      </p:cBhvr>
-                                      <p:to>
-                                        <p:strVal val="visible"/>
-                                      </p:to>
-                                    </p:set>
-                                  </p:childTnLst>
-                                </p:cTn>
-                              </p:par>
-                            </p:childTnLst>
-                          </p:cTn>
-                        </p:par>
-                      </p:childTnLst>
-                    </p:cTn>
-                  </p:par>
-                  <p:par>
-                    <p:cTn id="15" fill="hold">
-                      <p:stCondLst>
-                        <p:cond delay="indefinite"/>
-                      </p:stCondLst>
-                      <p:childTnLst>
-                        <p:par>
-                          <p:cTn id="16" fill="hold">
-                            <p:stCondLst>
-                              <p:cond delay="0"/>
-                            </p:stCondLst>
-                            <p:childTnLst>
-                              <p:par>
-                                <p:cTn id="17" presetID="1" presetClass="entr" presetSubtype="0" fill="hold" grpId="0" nodeType="clickEffect">
-                                  <p:stCondLst>
-                                    <p:cond delay="0"/>
-                                  </p:stCondLst>
-                                  <p:childTnLst>
-                                    <p:set>
-                                      <p:cBhvr>
-                                        <p:cTn id="18" dur="1" fill="hold">
-                                          <p:stCondLst>
-                                            <p:cond delay="0"/>
-                                          </p:stCondLst>
-                                        </p:cTn>
-                                        <p:tgtEl>
-                                          <p:spTgt spid="3">
-                                            <p:txEl>
-                                              <p:pRg st="3" end="3"/>
-                                            </p:txEl>
-                                          </p:spTgt>
-                                        </p:tgtEl>
-                                        <p:attrNameLst>
-                                          <p:attrName>style.visibility</p:attrName>
-                                        </p:attrNameLst>
-                                      </p:cBhvr>
-                                      <p:to>
-                                        <p:strVal val="visible"/>
-                                      </p:to>
-                                    </p:set>
-                                  </p:childTnLst>
-                                </p:cTn>
-                              </p:par>
-                            </p:childTnLst>
-                          </p:cTn>
-                        </p:par>
-                      </p:childTnLst>
-                    </p:cTn>
-                  </p:par>
-                  <p:par>
-                    <p:cTn id="19" fill="hold">
-                      <p:stCondLst>
-                        <p:cond delay="indefinite"/>
-                      </p:stCondLst>
-                      <p:childTnLst>
-                        <p:par>
-                          <p:cTn id="20" fill="hold">
-                            <p:stCondLst>
-                              <p:cond delay="0"/>
-                            </p:stCondLst>
-                            <p:childTnLst>
-                              <p:par>
-                                <p:cTn id="21" presetID="1" presetClass="entr" presetSubtype="0" fill="hold" grpId="0" nodeType="clickEffect">
-                                  <p:stCondLst>
-                                    <p:cond delay="0"/>
-                                  </p:stCondLst>
-                                  <p:childTnLst>
-                                    <p:set>
-                                      <p:cBhvr>
-                                        <p:cTn id="22" dur="1" fill="hold">
-                                          <p:stCondLst>
-                                            <p:cond delay="0"/>
-                                          </p:stCondLst>
-                                        </p:cTn>
-                                        <p:tgtEl>
-                                          <p:spTgt spid="3">
-                                            <p:txEl>
-                                              <p:pRg st="4" end="4"/>
-                                            </p:txEl>
-                                          </p:spTgt>
-                                        </p:tgtEl>
-                                        <p:attrNameLst>
-                                          <p:attrName>style.visibility</p:attrName>
-                                        </p:attrNameLst>
-                                      </p:cBhvr>
-                                      <p:to>
-                                        <p:strVal val="visible"/>
-                                      </p:to>
-                                    </p:set>
-                                  </p:childTnLst>
-                                </p:cTn>
-                              </p:par>
-                            </p:childTnLst>
-                          </p:cTn>
-                        </p:par>
-                      </p:childTnLst>
-                    </p:cTn>
-                  </p:par>
-                </p:childTnLst>
-              </p:cTn>
-              <p:prevCondLst>
-                <p:cond evt="onPrev" delay="0">
-                  <p:tgtEl>
-                    <p:sldTgt/>
-                  </p:tgtEl>
-                </p:cond>
-              </p:prevCondLst>
-              <p:nextCondLst>
-                <p:cond evt="onNext" delay="0">
-                  <p:tgtEl>
-                    <p:sldTgt/>
-                  </p:tgtEl>
-                </p:cond>
-              </p:nextCondLst>
-            </p:seq>
-          </p:childTnLst>
-        </p:cTn>
-      </p:par>
-    </p:tnLst>
-    <p:bldLst>
-      <p:bldP spid="3" grpId="0" build="p"/>
-    </p:bldLst>
-  </p:timing>
+</p:sld>
+</file>
+
+<file path=ppt/slides/slide8.xml><?xml version="1.0" encoding="utf-8"?>
+<p:sld xmlns:a="http://schemas.openxmlformats.org/drawingml/2006/main" xmlns:r="http://schemas.openxmlformats.org/officeDocument/2006/relationships" xmlns:p="http://schemas.openxmlformats.org/presentationml/2006/main">
+  <p:cSld>
+    <p:spTree>
+      <p:nvGrpSpPr>
+        <p:cNvPr id="1" name=""/>
+        <p:cNvGrpSpPr/>
+        <p:nvPr/>
+      </p:nvGrpSpPr>
+      <p:grpSpPr>
+        <a:xfrm>
+          <a:off x="0" y="0"/>
+          <a:ext cx="0" cy="0"/>
+          <a:chOff x="0" y="0"/>
+          <a:chExt cx="0" cy="0"/>
+        </a:xfrm>
+      </p:grpSpPr>
+      <p:sp>
+        <p:nvSpPr>
+          <p:cNvPr id="2" name="Title 1">
+            <a:extLst>
+              <a:ext uri="{FF2B5EF4-FFF2-40B4-BE49-F238E27FC236}">
+                <a16:creationId xmlns:a16="http://schemas.microsoft.com/office/drawing/2014/main" id="{EFB7A114-7299-4371-9D89-F6EC11E31C2B}"/>
+              </a:ext>
+            </a:extLst>
+          </p:cNvPr>
+          <p:cNvSpPr>
+            <a:spLocks noGrp="1"/>
+          </p:cNvSpPr>
+          <p:nvPr>
+            <p:ph type="title"/>
+          </p:nvPr>
+        </p:nvSpPr>
+        <p:spPr/>
+        <p:txBody>
+          <a:bodyPr/>
+          <a:lstStyle/>
+          <a:p>
+            <a:r>
+              <a:rPr lang="en-US" dirty="0"/>
+              <a:t>My Reflection pt2</a:t>
+            </a:r>
+          </a:p>
+        </p:txBody>
+      </p:sp>
+      <p:sp>
+        <p:nvSpPr>
+          <p:cNvPr id="3" name="Content Placeholder 2">
+            <a:extLst>
+              <a:ext uri="{FF2B5EF4-FFF2-40B4-BE49-F238E27FC236}">
+                <a16:creationId xmlns:a16="http://schemas.microsoft.com/office/drawing/2014/main" id="{7E3E6E5D-3DD3-4262-AA5A-C8A389C0B16C}"/>
+              </a:ext>
+            </a:extLst>
+          </p:cNvPr>
+          <p:cNvSpPr>
+            <a:spLocks noGrp="1"/>
+          </p:cNvSpPr>
+          <p:nvPr>
+            <p:ph idx="1"/>
+          </p:nvPr>
+        </p:nvSpPr>
+        <p:spPr/>
+        <p:txBody>
+          <a:bodyPr/>
+          <a:lstStyle/>
+          <a:p>
+            <a:r>
+              <a:rPr lang="en-US" dirty="0"/>
+              <a:t>What was a challenge to your time management this week, and what can you do to avoid it in the future?</a:t>
+            </a:r>
+          </a:p>
+          <a:p>
+            <a:pPr lvl="1"/>
+            <a:r>
+              <a:rPr lang="en-US" dirty="0"/>
+              <a:t>As much as I want to blame being sick, I have been “relaxing” too hard and too long at home. Between my new “don’t work at home” policy, and a friend recently quitting doing their daily tasks with me, I’ve been in a real slump. A big part of it is, “If you can do anything at any time, when is it time to do anything?”. I need to re-establish a routine and cut down on unscheduled “free time”. I should be planning to do things when I know I am free and sticking to doing those things.</a:t>
+            </a:r>
+          </a:p>
+        </p:txBody>
+      </p:sp>
+    </p:spTree>
+    <p:extLst>
+      <p:ext uri="{BB962C8B-B14F-4D97-AF65-F5344CB8AC3E}">
+        <p14:creationId xmlns:p14="http://schemas.microsoft.com/office/powerpoint/2010/main" val="166722940"/>
+      </p:ext>
+    </p:extLst>
+  </p:cSld>
+  <p:clrMapOvr>
+    <a:masterClrMapping/>
+  </p:clrMapOvr>
+</p:sld>
+</file>
+
+<file path=ppt/slides/slide9.xml><?xml version="1.0" encoding="utf-8"?>
+<p:sld xmlns:a="http://schemas.openxmlformats.org/drawingml/2006/main" xmlns:r="http://schemas.openxmlformats.org/officeDocument/2006/relationships" xmlns:p="http://schemas.openxmlformats.org/presentationml/2006/main">
+  <p:cSld>
+    <p:spTree>
+      <p:nvGrpSpPr>
+        <p:cNvPr id="1" name=""/>
+        <p:cNvGrpSpPr/>
+        <p:nvPr/>
+      </p:nvGrpSpPr>
+      <p:grpSpPr>
+        <a:xfrm>
+          <a:off x="0" y="0"/>
+          <a:ext cx="0" cy="0"/>
+          <a:chOff x="0" y="0"/>
+          <a:chExt cx="0" cy="0"/>
+        </a:xfrm>
+      </p:grpSpPr>
+      <p:sp>
+        <p:nvSpPr>
+          <p:cNvPr id="2" name="Title 1">
+            <a:extLst>
+              <a:ext uri="{FF2B5EF4-FFF2-40B4-BE49-F238E27FC236}">
+                <a16:creationId xmlns:a16="http://schemas.microsoft.com/office/drawing/2014/main" id="{DDA6E914-7486-4884-9AB0-4FF8A7E4DBE1}"/>
+              </a:ext>
+            </a:extLst>
+          </p:cNvPr>
+          <p:cNvSpPr>
+            <a:spLocks noGrp="1"/>
+          </p:cNvSpPr>
+          <p:nvPr>
+            <p:ph type="title"/>
+          </p:nvPr>
+        </p:nvSpPr>
+        <p:spPr/>
+        <p:txBody>
+          <a:bodyPr/>
+          <a:lstStyle/>
+          <a:p>
+            <a:r>
+              <a:rPr lang="en-US" dirty="0"/>
+              <a:t>My Reflection pt3</a:t>
+            </a:r>
+          </a:p>
+        </p:txBody>
+      </p:sp>
+      <p:sp>
+        <p:nvSpPr>
+          <p:cNvPr id="3" name="Content Placeholder 2">
+            <a:extLst>
+              <a:ext uri="{FF2B5EF4-FFF2-40B4-BE49-F238E27FC236}">
+                <a16:creationId xmlns:a16="http://schemas.microsoft.com/office/drawing/2014/main" id="{911F6C78-4F2B-44D8-A656-6D8B81E58B48}"/>
+              </a:ext>
+            </a:extLst>
+          </p:cNvPr>
+          <p:cNvSpPr>
+            <a:spLocks noGrp="1"/>
+          </p:cNvSpPr>
+          <p:nvPr>
+            <p:ph idx="1"/>
+          </p:nvPr>
+        </p:nvSpPr>
+        <p:spPr/>
+        <p:txBody>
+          <a:bodyPr/>
+          <a:lstStyle/>
+          <a:p>
+            <a:r>
+              <a:rPr lang="en-US" dirty="0"/>
+              <a:t>What opportunities did you not take advantage of this week, and why?</a:t>
+            </a:r>
+          </a:p>
+          <a:p>
+            <a:pPr lvl="1"/>
+            <a:r>
+              <a:rPr lang="en-US" dirty="0"/>
+              <a:t>A random programmer found my app online, which had been languishing away with serious bugs. He began working on the app, which I encouraged, but he worked on it alone for about a week before I finally began participating. I don’t know what my problem was, but I got it in my head that it was not a good time for me to be engaging with it. I should have gotten involved sooner and been grateful that someone else was willing to fix problems with a project I owned for free.</a:t>
+            </a:r>
+          </a:p>
+        </p:txBody>
+      </p:sp>
+    </p:spTree>
+    <p:extLst>
+      <p:ext uri="{BB962C8B-B14F-4D97-AF65-F5344CB8AC3E}">
+        <p14:creationId xmlns:p14="http://schemas.microsoft.com/office/powerpoint/2010/main" val="4294327657"/>
+      </p:ext>
+    </p:extLst>
+  </p:cSld>
+  <p:clrMapOvr>
+    <a:masterClrMapping/>
+  </p:clrMapOvr>
 </p:sld>
 </file>
 

--- a/docpac_19200123/Weekly Review.pptx
+++ b/docpac_19200123/Weekly Review.pptx
@@ -4257,6 +4257,37 @@
                                           <p:spTgt spid="3">
                                             <p:txEl>
                                               <p:pRg st="2" end="2"/>
+                                            </p:txEl>
+                                          </p:spTgt>
+                                        </p:tgtEl>
+                                        <p:attrNameLst>
+                                          <p:attrName>style.visibility</p:attrName>
+                                        </p:attrNameLst>
+                                      </p:cBhvr>
+                                      <p:to>
+                                        <p:strVal val="visible"/>
+                                      </p:to>
+                                    </p:set>
+                                  </p:childTnLst>
+                                </p:cTn>
+                              </p:par>
+                              <p:par>
+                                <p:cTn id="13" presetID="1" presetClass="entr" presetSubtype="0" fill="hold" grpId="0" nodeType="withEffect">
+                                  <p:stCondLst>
+                                    <p:cond delay="0"/>
+                                  </p:stCondLst>
+                                  <p:childTnLst>
+                                    <p:set>
+                                      <p:cBhvr>
+                                        <p:cTn id="14" dur="1" fill="hold">
+                                          <p:stCondLst>
+                                            <p:cond delay="0"/>
+                                          </p:stCondLst>
+                                        </p:cTn>
+                                        <p:tgtEl>
+                                          <p:spTgt spid="3">
+                                            <p:txEl>
+                                              <p:pRg st="3" end="3"/>
                                             </p:txEl>
                                           </p:spTgt>
                                         </p:tgtEl>
@@ -5094,6 +5125,310 @@
   <p:clrMapOvr>
     <a:masterClrMapping/>
   </p:clrMapOvr>
+  <p:timing>
+    <p:tnLst>
+      <p:par>
+        <p:cTn id="1" dur="indefinite" restart="never" nodeType="tmRoot">
+          <p:childTnLst>
+            <p:seq concurrent="1" nextAc="seek">
+              <p:cTn id="2" dur="indefinite" nodeType="mainSeq">
+                <p:childTnLst>
+                  <p:par>
+                    <p:cTn id="3" fill="hold">
+                      <p:stCondLst>
+                        <p:cond delay="indefinite"/>
+                      </p:stCondLst>
+                      <p:childTnLst>
+                        <p:par>
+                          <p:cTn id="4" fill="hold">
+                            <p:stCondLst>
+                              <p:cond delay="0"/>
+                            </p:stCondLst>
+                            <p:childTnLst>
+                              <p:par>
+                                <p:cTn id="5" presetID="1" presetClass="entr" presetSubtype="0" fill="hold" grpId="0" nodeType="clickEffect">
+                                  <p:stCondLst>
+                                    <p:cond delay="0"/>
+                                  </p:stCondLst>
+                                  <p:childTnLst>
+                                    <p:set>
+                                      <p:cBhvr>
+                                        <p:cTn id="6" dur="1" fill="hold">
+                                          <p:stCondLst>
+                                            <p:cond delay="0"/>
+                                          </p:stCondLst>
+                                        </p:cTn>
+                                        <p:tgtEl>
+                                          <p:spTgt spid="3">
+                                            <p:txEl>
+                                              <p:pRg st="0" end="0"/>
+                                            </p:txEl>
+                                          </p:spTgt>
+                                        </p:tgtEl>
+                                        <p:attrNameLst>
+                                          <p:attrName>style.visibility</p:attrName>
+                                        </p:attrNameLst>
+                                      </p:cBhvr>
+                                      <p:to>
+                                        <p:strVal val="visible"/>
+                                      </p:to>
+                                    </p:set>
+                                  </p:childTnLst>
+                                </p:cTn>
+                              </p:par>
+                              <p:par>
+                                <p:cTn id="7" presetID="1" presetClass="entr" presetSubtype="0" fill="hold" grpId="0" nodeType="withEffect">
+                                  <p:stCondLst>
+                                    <p:cond delay="0"/>
+                                  </p:stCondLst>
+                                  <p:childTnLst>
+                                    <p:set>
+                                      <p:cBhvr>
+                                        <p:cTn id="8" dur="1" fill="hold">
+                                          <p:stCondLst>
+                                            <p:cond delay="0"/>
+                                          </p:stCondLst>
+                                        </p:cTn>
+                                        <p:tgtEl>
+                                          <p:spTgt spid="3">
+                                            <p:txEl>
+                                              <p:pRg st="1" end="1"/>
+                                            </p:txEl>
+                                          </p:spTgt>
+                                        </p:tgtEl>
+                                        <p:attrNameLst>
+                                          <p:attrName>style.visibility</p:attrName>
+                                        </p:attrNameLst>
+                                      </p:cBhvr>
+                                      <p:to>
+                                        <p:strVal val="visible"/>
+                                      </p:to>
+                                    </p:set>
+                                  </p:childTnLst>
+                                </p:cTn>
+                              </p:par>
+                            </p:childTnLst>
+                          </p:cTn>
+                        </p:par>
+                      </p:childTnLst>
+                    </p:cTn>
+                  </p:par>
+                  <p:par>
+                    <p:cTn id="9" fill="hold">
+                      <p:stCondLst>
+                        <p:cond delay="indefinite"/>
+                      </p:stCondLst>
+                      <p:childTnLst>
+                        <p:par>
+                          <p:cTn id="10" fill="hold">
+                            <p:stCondLst>
+                              <p:cond delay="0"/>
+                            </p:stCondLst>
+                            <p:childTnLst>
+                              <p:par>
+                                <p:cTn id="11" presetID="1" presetClass="entr" presetSubtype="0" fill="hold" grpId="0" nodeType="clickEffect">
+                                  <p:stCondLst>
+                                    <p:cond delay="0"/>
+                                  </p:stCondLst>
+                                  <p:childTnLst>
+                                    <p:set>
+                                      <p:cBhvr>
+                                        <p:cTn id="12" dur="1" fill="hold">
+                                          <p:stCondLst>
+                                            <p:cond delay="0"/>
+                                          </p:stCondLst>
+                                        </p:cTn>
+                                        <p:tgtEl>
+                                          <p:spTgt spid="3">
+                                            <p:txEl>
+                                              <p:pRg st="2" end="2"/>
+                                            </p:txEl>
+                                          </p:spTgt>
+                                        </p:tgtEl>
+                                        <p:attrNameLst>
+                                          <p:attrName>style.visibility</p:attrName>
+                                        </p:attrNameLst>
+                                      </p:cBhvr>
+                                      <p:to>
+                                        <p:strVal val="visible"/>
+                                      </p:to>
+                                    </p:set>
+                                  </p:childTnLst>
+                                </p:cTn>
+                              </p:par>
+                              <p:par>
+                                <p:cTn id="13" presetID="1" presetClass="entr" presetSubtype="0" fill="hold" grpId="0" nodeType="withEffect">
+                                  <p:stCondLst>
+                                    <p:cond delay="0"/>
+                                  </p:stCondLst>
+                                  <p:childTnLst>
+                                    <p:set>
+                                      <p:cBhvr>
+                                        <p:cTn id="14" dur="1" fill="hold">
+                                          <p:stCondLst>
+                                            <p:cond delay="0"/>
+                                          </p:stCondLst>
+                                        </p:cTn>
+                                        <p:tgtEl>
+                                          <p:spTgt spid="3">
+                                            <p:txEl>
+                                              <p:pRg st="3" end="3"/>
+                                            </p:txEl>
+                                          </p:spTgt>
+                                        </p:tgtEl>
+                                        <p:attrNameLst>
+                                          <p:attrName>style.visibility</p:attrName>
+                                        </p:attrNameLst>
+                                      </p:cBhvr>
+                                      <p:to>
+                                        <p:strVal val="visible"/>
+                                      </p:to>
+                                    </p:set>
+                                  </p:childTnLst>
+                                </p:cTn>
+                              </p:par>
+                            </p:childTnLst>
+                          </p:cTn>
+                        </p:par>
+                      </p:childTnLst>
+                    </p:cTn>
+                  </p:par>
+                  <p:par>
+                    <p:cTn id="15" fill="hold">
+                      <p:stCondLst>
+                        <p:cond delay="indefinite"/>
+                      </p:stCondLst>
+                      <p:childTnLst>
+                        <p:par>
+                          <p:cTn id="16" fill="hold">
+                            <p:stCondLst>
+                              <p:cond delay="0"/>
+                            </p:stCondLst>
+                            <p:childTnLst>
+                              <p:par>
+                                <p:cTn id="17" presetID="1" presetClass="entr" presetSubtype="0" fill="hold" grpId="0" nodeType="clickEffect">
+                                  <p:stCondLst>
+                                    <p:cond delay="0"/>
+                                  </p:stCondLst>
+                                  <p:childTnLst>
+                                    <p:set>
+                                      <p:cBhvr>
+                                        <p:cTn id="18" dur="1" fill="hold">
+                                          <p:stCondLst>
+                                            <p:cond delay="0"/>
+                                          </p:stCondLst>
+                                        </p:cTn>
+                                        <p:tgtEl>
+                                          <p:spTgt spid="3">
+                                            <p:txEl>
+                                              <p:pRg st="4" end="4"/>
+                                            </p:txEl>
+                                          </p:spTgt>
+                                        </p:tgtEl>
+                                        <p:attrNameLst>
+                                          <p:attrName>style.visibility</p:attrName>
+                                        </p:attrNameLst>
+                                      </p:cBhvr>
+                                      <p:to>
+                                        <p:strVal val="visible"/>
+                                      </p:to>
+                                    </p:set>
+                                  </p:childTnLst>
+                                </p:cTn>
+                              </p:par>
+                              <p:par>
+                                <p:cTn id="19" presetID="1" presetClass="entr" presetSubtype="0" fill="hold" grpId="0" nodeType="withEffect">
+                                  <p:stCondLst>
+                                    <p:cond delay="0"/>
+                                  </p:stCondLst>
+                                  <p:childTnLst>
+                                    <p:set>
+                                      <p:cBhvr>
+                                        <p:cTn id="20" dur="1" fill="hold">
+                                          <p:stCondLst>
+                                            <p:cond delay="0"/>
+                                          </p:stCondLst>
+                                        </p:cTn>
+                                        <p:tgtEl>
+                                          <p:spTgt spid="3">
+                                            <p:txEl>
+                                              <p:pRg st="5" end="5"/>
+                                            </p:txEl>
+                                          </p:spTgt>
+                                        </p:tgtEl>
+                                        <p:attrNameLst>
+                                          <p:attrName>style.visibility</p:attrName>
+                                        </p:attrNameLst>
+                                      </p:cBhvr>
+                                      <p:to>
+                                        <p:strVal val="visible"/>
+                                      </p:to>
+                                    </p:set>
+                                  </p:childTnLst>
+                                </p:cTn>
+                              </p:par>
+                              <p:par>
+                                <p:cTn id="21" presetID="1" presetClass="entr" presetSubtype="0" fill="hold" grpId="0" nodeType="withEffect">
+                                  <p:stCondLst>
+                                    <p:cond delay="0"/>
+                                  </p:stCondLst>
+                                  <p:childTnLst>
+                                    <p:set>
+                                      <p:cBhvr>
+                                        <p:cTn id="22" dur="1" fill="hold">
+                                          <p:stCondLst>
+                                            <p:cond delay="0"/>
+                                          </p:stCondLst>
+                                        </p:cTn>
+                                        <p:tgtEl>
+                                          <p:spTgt spid="3">
+                                            <p:txEl>
+                                              <p:pRg st="6" end="6"/>
+                                            </p:txEl>
+                                          </p:spTgt>
+                                        </p:tgtEl>
+                                        <p:attrNameLst>
+                                          <p:attrName>style.visibility</p:attrName>
+                                        </p:attrNameLst>
+                                      </p:cBhvr>
+                                      <p:to>
+                                        <p:strVal val="visible"/>
+                                      </p:to>
+                                    </p:set>
+                                  </p:childTnLst>
+                                </p:cTn>
+                              </p:par>
+                            </p:childTnLst>
+                          </p:cTn>
+                        </p:par>
+                      </p:childTnLst>
+                    </p:cTn>
+                  </p:par>
+                </p:childTnLst>
+              </p:cTn>
+              <p:prevCondLst>
+                <p:cond evt="onPrev" delay="0">
+                  <p:tgtEl>
+                    <p:sldTgt/>
+                  </p:tgtEl>
+                </p:cond>
+              </p:prevCondLst>
+              <p:nextCondLst>
+                <p:cond evt="onNext" delay="0">
+                  <p:tgtEl>
+                    <p:sldTgt/>
+                  </p:tgtEl>
+                </p:cond>
+              </p:nextCondLst>
+            </p:seq>
+          </p:childTnLst>
+        </p:cTn>
+      </p:par>
+    </p:tnLst>
+    <p:bldLst>
+      <p:bldP spid="3" grpId="0" build="p"/>
+    </p:bldLst>
+  </p:timing>
 </p:sld>
 </file>
 
@@ -5678,6 +6013,119 @@
   <p:clrMapOvr>
     <a:masterClrMapping/>
   </p:clrMapOvr>
+  <p:timing>
+    <p:tnLst>
+      <p:par>
+        <p:cTn id="1" dur="indefinite" restart="never" nodeType="tmRoot">
+          <p:childTnLst>
+            <p:seq concurrent="1" nextAc="seek">
+              <p:cTn id="2" dur="indefinite" nodeType="mainSeq">
+                <p:childTnLst>
+                  <p:par>
+                    <p:cTn id="3" fill="hold">
+                      <p:stCondLst>
+                        <p:cond delay="indefinite"/>
+                      </p:stCondLst>
+                      <p:childTnLst>
+                        <p:par>
+                          <p:cTn id="4" fill="hold">
+                            <p:stCondLst>
+                              <p:cond delay="0"/>
+                            </p:stCondLst>
+                            <p:childTnLst>
+                              <p:par>
+                                <p:cTn id="5" presetID="1" presetClass="entr" presetSubtype="0" fill="hold" grpId="0" nodeType="clickEffect">
+                                  <p:stCondLst>
+                                    <p:cond delay="0"/>
+                                  </p:stCondLst>
+                                  <p:childTnLst>
+                                    <p:set>
+                                      <p:cBhvr>
+                                        <p:cTn id="6" dur="1" fill="hold">
+                                          <p:stCondLst>
+                                            <p:cond delay="0"/>
+                                          </p:stCondLst>
+                                        </p:cTn>
+                                        <p:tgtEl>
+                                          <p:spTgt spid="3">
+                                            <p:txEl>
+                                              <p:pRg st="0" end="0"/>
+                                            </p:txEl>
+                                          </p:spTgt>
+                                        </p:tgtEl>
+                                        <p:attrNameLst>
+                                          <p:attrName>style.visibility</p:attrName>
+                                        </p:attrNameLst>
+                                      </p:cBhvr>
+                                      <p:to>
+                                        <p:strVal val="visible"/>
+                                      </p:to>
+                                    </p:set>
+                                  </p:childTnLst>
+                                </p:cTn>
+                              </p:par>
+                              <p:par>
+                                <p:cTn id="7" presetID="1" presetClass="entr" presetSubtype="0" fill="hold" grpId="0" nodeType="withEffect">
+                                  <p:stCondLst>
+                                    <p:cond delay="0"/>
+                                  </p:stCondLst>
+                                  <p:childTnLst>
+                                    <p:set>
+                                      <p:cBhvr>
+                                        <p:cTn id="8" dur="1" fill="hold">
+                                          <p:stCondLst>
+                                            <p:cond delay="0"/>
+                                          </p:stCondLst>
+                                        </p:cTn>
+                                        <p:tgtEl>
+                                          <p:spTgt spid="3">
+                                            <p:txEl>
+                                              <p:pRg st="1" end="1"/>
+                                            </p:txEl>
+                                          </p:spTgt>
+                                        </p:tgtEl>
+                                        <p:attrNameLst>
+                                          <p:attrName>style.visibility</p:attrName>
+                                        </p:attrNameLst>
+                                      </p:cBhvr>
+                                      <p:to>
+                                        <p:strVal val="visible"/>
+                                      </p:to>
+                                    </p:set>
+                                  </p:childTnLst>
+                                </p:cTn>
+                              </p:par>
+                            </p:childTnLst>
+                          </p:cTn>
+                        </p:par>
+                      </p:childTnLst>
+                    </p:cTn>
+                  </p:par>
+                </p:childTnLst>
+              </p:cTn>
+              <p:prevCondLst>
+                <p:cond evt="onPrev" delay="0">
+                  <p:tgtEl>
+                    <p:sldTgt/>
+                  </p:tgtEl>
+                </p:cond>
+              </p:prevCondLst>
+              <p:nextCondLst>
+                <p:cond evt="onNext" delay="0">
+                  <p:tgtEl>
+                    <p:sldTgt/>
+                  </p:tgtEl>
+                </p:cond>
+              </p:nextCondLst>
+            </p:seq>
+          </p:childTnLst>
+        </p:cTn>
+      </p:par>
+    </p:tnLst>
+    <p:bldLst>
+      <p:bldP spid="3" grpId="0" build="p"/>
+    </p:bldLst>
+  </p:timing>
 </p:sld>
 </file>
 
@@ -5771,6 +6219,119 @@
   <p:clrMapOvr>
     <a:masterClrMapping/>
   </p:clrMapOvr>
+  <p:timing>
+    <p:tnLst>
+      <p:par>
+        <p:cTn id="1" dur="indefinite" restart="never" nodeType="tmRoot">
+          <p:childTnLst>
+            <p:seq concurrent="1" nextAc="seek">
+              <p:cTn id="2" dur="indefinite" nodeType="mainSeq">
+                <p:childTnLst>
+                  <p:par>
+                    <p:cTn id="3" fill="hold">
+                      <p:stCondLst>
+                        <p:cond delay="indefinite"/>
+                      </p:stCondLst>
+                      <p:childTnLst>
+                        <p:par>
+                          <p:cTn id="4" fill="hold">
+                            <p:stCondLst>
+                              <p:cond delay="0"/>
+                            </p:stCondLst>
+                            <p:childTnLst>
+                              <p:par>
+                                <p:cTn id="5" presetID="1" presetClass="entr" presetSubtype="0" fill="hold" grpId="0" nodeType="clickEffect">
+                                  <p:stCondLst>
+                                    <p:cond delay="0"/>
+                                  </p:stCondLst>
+                                  <p:childTnLst>
+                                    <p:set>
+                                      <p:cBhvr>
+                                        <p:cTn id="6" dur="1" fill="hold">
+                                          <p:stCondLst>
+                                            <p:cond delay="0"/>
+                                          </p:stCondLst>
+                                        </p:cTn>
+                                        <p:tgtEl>
+                                          <p:spTgt spid="3">
+                                            <p:txEl>
+                                              <p:pRg st="0" end="0"/>
+                                            </p:txEl>
+                                          </p:spTgt>
+                                        </p:tgtEl>
+                                        <p:attrNameLst>
+                                          <p:attrName>style.visibility</p:attrName>
+                                        </p:attrNameLst>
+                                      </p:cBhvr>
+                                      <p:to>
+                                        <p:strVal val="visible"/>
+                                      </p:to>
+                                    </p:set>
+                                  </p:childTnLst>
+                                </p:cTn>
+                              </p:par>
+                              <p:par>
+                                <p:cTn id="7" presetID="1" presetClass="entr" presetSubtype="0" fill="hold" grpId="0" nodeType="withEffect">
+                                  <p:stCondLst>
+                                    <p:cond delay="0"/>
+                                  </p:stCondLst>
+                                  <p:childTnLst>
+                                    <p:set>
+                                      <p:cBhvr>
+                                        <p:cTn id="8" dur="1" fill="hold">
+                                          <p:stCondLst>
+                                            <p:cond delay="0"/>
+                                          </p:stCondLst>
+                                        </p:cTn>
+                                        <p:tgtEl>
+                                          <p:spTgt spid="3">
+                                            <p:txEl>
+                                              <p:pRg st="1" end="1"/>
+                                            </p:txEl>
+                                          </p:spTgt>
+                                        </p:tgtEl>
+                                        <p:attrNameLst>
+                                          <p:attrName>style.visibility</p:attrName>
+                                        </p:attrNameLst>
+                                      </p:cBhvr>
+                                      <p:to>
+                                        <p:strVal val="visible"/>
+                                      </p:to>
+                                    </p:set>
+                                  </p:childTnLst>
+                                </p:cTn>
+                              </p:par>
+                            </p:childTnLst>
+                          </p:cTn>
+                        </p:par>
+                      </p:childTnLst>
+                    </p:cTn>
+                  </p:par>
+                </p:childTnLst>
+              </p:cTn>
+              <p:prevCondLst>
+                <p:cond evt="onPrev" delay="0">
+                  <p:tgtEl>
+                    <p:sldTgt/>
+                  </p:tgtEl>
+                </p:cond>
+              </p:prevCondLst>
+              <p:nextCondLst>
+                <p:cond evt="onNext" delay="0">
+                  <p:tgtEl>
+                    <p:sldTgt/>
+                  </p:tgtEl>
+                </p:cond>
+              </p:nextCondLst>
+            </p:seq>
+          </p:childTnLst>
+        </p:cTn>
+      </p:par>
+    </p:tnLst>
+    <p:bldLst>
+      <p:bldP spid="3" grpId="0" build="p"/>
+    </p:bldLst>
+  </p:timing>
 </p:sld>
 </file>
 
@@ -5864,6 +6425,119 @@
   <p:clrMapOvr>
     <a:masterClrMapping/>
   </p:clrMapOvr>
+  <p:timing>
+    <p:tnLst>
+      <p:par>
+        <p:cTn id="1" dur="indefinite" restart="never" nodeType="tmRoot">
+          <p:childTnLst>
+            <p:seq concurrent="1" nextAc="seek">
+              <p:cTn id="2" dur="indefinite" nodeType="mainSeq">
+                <p:childTnLst>
+                  <p:par>
+                    <p:cTn id="3" fill="hold">
+                      <p:stCondLst>
+                        <p:cond delay="indefinite"/>
+                      </p:stCondLst>
+                      <p:childTnLst>
+                        <p:par>
+                          <p:cTn id="4" fill="hold">
+                            <p:stCondLst>
+                              <p:cond delay="0"/>
+                            </p:stCondLst>
+                            <p:childTnLst>
+                              <p:par>
+                                <p:cTn id="5" presetID="1" presetClass="entr" presetSubtype="0" fill="hold" grpId="0" nodeType="clickEffect">
+                                  <p:stCondLst>
+                                    <p:cond delay="0"/>
+                                  </p:stCondLst>
+                                  <p:childTnLst>
+                                    <p:set>
+                                      <p:cBhvr>
+                                        <p:cTn id="6" dur="1" fill="hold">
+                                          <p:stCondLst>
+                                            <p:cond delay="0"/>
+                                          </p:stCondLst>
+                                        </p:cTn>
+                                        <p:tgtEl>
+                                          <p:spTgt spid="3">
+                                            <p:txEl>
+                                              <p:pRg st="0" end="0"/>
+                                            </p:txEl>
+                                          </p:spTgt>
+                                        </p:tgtEl>
+                                        <p:attrNameLst>
+                                          <p:attrName>style.visibility</p:attrName>
+                                        </p:attrNameLst>
+                                      </p:cBhvr>
+                                      <p:to>
+                                        <p:strVal val="visible"/>
+                                      </p:to>
+                                    </p:set>
+                                  </p:childTnLst>
+                                </p:cTn>
+                              </p:par>
+                              <p:par>
+                                <p:cTn id="7" presetID="1" presetClass="entr" presetSubtype="0" fill="hold" grpId="0" nodeType="withEffect">
+                                  <p:stCondLst>
+                                    <p:cond delay="0"/>
+                                  </p:stCondLst>
+                                  <p:childTnLst>
+                                    <p:set>
+                                      <p:cBhvr>
+                                        <p:cTn id="8" dur="1" fill="hold">
+                                          <p:stCondLst>
+                                            <p:cond delay="0"/>
+                                          </p:stCondLst>
+                                        </p:cTn>
+                                        <p:tgtEl>
+                                          <p:spTgt spid="3">
+                                            <p:txEl>
+                                              <p:pRg st="1" end="1"/>
+                                            </p:txEl>
+                                          </p:spTgt>
+                                        </p:tgtEl>
+                                        <p:attrNameLst>
+                                          <p:attrName>style.visibility</p:attrName>
+                                        </p:attrNameLst>
+                                      </p:cBhvr>
+                                      <p:to>
+                                        <p:strVal val="visible"/>
+                                      </p:to>
+                                    </p:set>
+                                  </p:childTnLst>
+                                </p:cTn>
+                              </p:par>
+                            </p:childTnLst>
+                          </p:cTn>
+                        </p:par>
+                      </p:childTnLst>
+                    </p:cTn>
+                  </p:par>
+                </p:childTnLst>
+              </p:cTn>
+              <p:prevCondLst>
+                <p:cond evt="onPrev" delay="0">
+                  <p:tgtEl>
+                    <p:sldTgt/>
+                  </p:tgtEl>
+                </p:cond>
+              </p:prevCondLst>
+              <p:nextCondLst>
+                <p:cond evt="onNext" delay="0">
+                  <p:tgtEl>
+                    <p:sldTgt/>
+                  </p:tgtEl>
+                </p:cond>
+              </p:nextCondLst>
+            </p:seq>
+          </p:childTnLst>
+        </p:cTn>
+      </p:par>
+    </p:tnLst>
+    <p:bldLst>
+      <p:bldP spid="3" grpId="0" build="p"/>
+    </p:bldLst>
+  </p:timing>
 </p:sld>
 </file>
 
